--- a/lec_0/lec_0.pptx
+++ b/lec_0/lec_0.pptx
@@ -6341,39 +6341,39 @@
           <a:lstStyle/>
           <a:p>
             <a:r>
+              <a:rPr lang="en-US" sz="2800" dirty="0" err="1" smtClean="0">
+                <a:latin typeface="PT Sans" pitchFamily="34" charset="-52"/>
+                <a:ea typeface="PT Sans" pitchFamily="34" charset="-52"/>
+              </a:rPr>
+              <a:t>Nvidia</a:t>
+            </a:r>
+            <a:r>
+              <a:rPr lang="en-US" sz="2800" dirty="0" smtClean="0">
+                <a:latin typeface="PT Sans" pitchFamily="34" charset="-52"/>
+                <a:ea typeface="PT Sans" pitchFamily="34" charset="-52"/>
+              </a:rPr>
+              <a:t> </a:t>
+            </a:r>
+            <a:r>
+              <a:rPr lang="en-US" sz="2800" dirty="0" smtClean="0">
+                <a:latin typeface="PT Sans" pitchFamily="34" charset="-52"/>
+                <a:ea typeface="PT Sans" pitchFamily="34" charset="-52"/>
+              </a:rPr>
+              <a:t>CUDA</a:t>
+            </a:r>
+            <a:r>
               <a:rPr lang="ru-RU" sz="2800" dirty="0" smtClean="0">
                 <a:latin typeface="PT Sans" pitchFamily="34" charset="-52"/>
                 <a:ea typeface="PT Sans" pitchFamily="34" charset="-52"/>
               </a:rPr>
-              <a:t>В </a:t>
-            </a:r>
-            <a:r>
-              <a:rPr lang="en-US" sz="2800" dirty="0" err="1">
-                <a:latin typeface="PT Sans" pitchFamily="34" charset="-52"/>
-                <a:ea typeface="PT Sans" pitchFamily="34" charset="-52"/>
-              </a:rPr>
-              <a:t>Nvidia</a:t>
-            </a:r>
-            <a:r>
-              <a:rPr lang="en-US" sz="2800" dirty="0">
-                <a:latin typeface="PT Sans" pitchFamily="34" charset="-52"/>
-                <a:ea typeface="PT Sans" pitchFamily="34" charset="-52"/>
-              </a:rPr>
               <a:t> </a:t>
             </a:r>
             <a:r>
-              <a:rPr lang="en-US" sz="2800" dirty="0" smtClean="0">
-                <a:latin typeface="PT Sans" pitchFamily="34" charset="-52"/>
-                <a:ea typeface="PT Sans" pitchFamily="34" charset="-52"/>
-              </a:rPr>
-              <a:t>CUDA</a:t>
-            </a:r>
-            <a:r>
               <a:rPr lang="ru-RU" sz="2800" dirty="0" smtClean="0">
                 <a:latin typeface="PT Sans" pitchFamily="34" charset="-52"/>
                 <a:ea typeface="PT Sans" pitchFamily="34" charset="-52"/>
               </a:rPr>
-              <a:t> содержится </a:t>
+              <a:t>содержит реализацию </a:t>
             </a:r>
             <a:r>
               <a:rPr lang="en-US" sz="2800" dirty="0" err="1" smtClean="0">
@@ -6393,7 +6393,28 @@
                 <a:latin typeface="PT Sans" pitchFamily="34" charset="-52"/>
                 <a:ea typeface="PT Sans" pitchFamily="34" charset="-52"/>
               </a:rPr>
-              <a:t>Компиляция с ключами</a:t>
+              <a:t>Компиляция </a:t>
+            </a:r>
+            <a:r>
+              <a:rPr lang="en-US" sz="2800" dirty="0" err="1" smtClean="0">
+                <a:latin typeface="PT Sans" pitchFamily="34" charset="-52"/>
+                <a:ea typeface="PT Sans" pitchFamily="34" charset="-52"/>
+              </a:rPr>
+              <a:t>gcc</a:t>
+            </a:r>
+            <a:r>
+              <a:rPr lang="ru-RU" sz="2800" dirty="0" smtClean="0">
+                <a:latin typeface="PT Sans" pitchFamily="34" charset="-52"/>
+                <a:ea typeface="PT Sans" pitchFamily="34" charset="-52"/>
+              </a:rPr>
+              <a:t> </a:t>
+            </a:r>
+            <a:r>
+              <a:rPr lang="ru-RU" sz="2800" dirty="0" smtClean="0">
+                <a:latin typeface="PT Sans" pitchFamily="34" charset="-52"/>
+                <a:ea typeface="PT Sans" pitchFamily="34" charset="-52"/>
+              </a:rPr>
+              <a:t>с ключами</a:t>
             </a:r>
             <a:r>
               <a:rPr lang="en-US" sz="2800" dirty="0" smtClean="0">
@@ -6599,14 +6620,7 @@
                 <a:latin typeface="PT Sans" pitchFamily="34" charset="-52"/>
                 <a:ea typeface="PT Sans" pitchFamily="34" charset="-52"/>
               </a:rPr>
-              <a:t>прос </a:t>
-            </a:r>
-            <a:r>
-              <a:rPr lang="ru-RU" sz="2800" dirty="0" smtClean="0">
-                <a:latin typeface="PT Sans" pitchFamily="34" charset="-52"/>
-                <a:ea typeface="PT Sans" pitchFamily="34" charset="-52"/>
-              </a:rPr>
-              <a:t>всех доступных </a:t>
+              <a:t>прос всех доступных </a:t>
             </a:r>
             <a:r>
               <a:rPr lang="en-US" sz="2800" dirty="0" err="1" smtClean="0">
@@ -15560,48 +15574,16 @@
                 <a:latin typeface="PT Sans" pitchFamily="34" charset="-52"/>
                 <a:ea typeface="PT Sans" pitchFamily="34" charset="-52"/>
               </a:rPr>
-              <a:t>Общая разделяемая память и синхронизация между </a:t>
-            </a:r>
+              <a:t>Общая разделяемая память и синхронизация между элементами в одной группе</a:t>
+            </a:r>
+          </a:p>
+          <a:p>
             <a:r>
               <a:rPr lang="ru-RU" sz="2800" dirty="0" smtClean="0">
                 <a:latin typeface="PT Sans" pitchFamily="34" charset="-52"/>
                 <a:ea typeface="PT Sans" pitchFamily="34" charset="-52"/>
               </a:rPr>
-              <a:t>элементами в одной группе</a:t>
-            </a:r>
-            <a:endParaRPr lang="ru-RU" sz="2800" dirty="0" smtClean="0">
-              <a:latin typeface="PT Sans" pitchFamily="34" charset="-52"/>
-              <a:ea typeface="PT Sans" pitchFamily="34" charset="-52"/>
-            </a:endParaRPr>
-          </a:p>
-          <a:p>
-            <a:r>
-              <a:rPr lang="ru-RU" sz="2800" dirty="0" smtClean="0">
-                <a:latin typeface="PT Sans" pitchFamily="34" charset="-52"/>
-                <a:ea typeface="PT Sans" pitchFamily="34" charset="-52"/>
-              </a:rPr>
-              <a:t>Размер группы </a:t>
-            </a:r>
-            <a:r>
-              <a:rPr lang="ru-RU" sz="2800" dirty="0" smtClean="0">
-                <a:latin typeface="PT Sans" pitchFamily="34" charset="-52"/>
-                <a:ea typeface="PT Sans" pitchFamily="34" charset="-52"/>
-              </a:rPr>
-              <a:t>определяется </a:t>
-            </a:r>
-            <a:r>
-              <a:rPr lang="ru-RU" sz="2800" dirty="0" smtClean="0">
-                <a:latin typeface="PT Sans" pitchFamily="34" charset="-52"/>
-                <a:ea typeface="PT Sans" pitchFamily="34" charset="-52"/>
-              </a:rPr>
-              <a:t>пользователем </a:t>
-            </a:r>
-            <a:r>
-              <a:rPr lang="ru-RU" sz="2800" dirty="0" smtClean="0">
-                <a:latin typeface="PT Sans" pitchFamily="34" charset="-52"/>
-                <a:ea typeface="PT Sans" pitchFamily="34" charset="-52"/>
-              </a:rPr>
-              <a:t>или может быть задан автоматически</a:t>
+              <a:t>Размер группы определяется пользователем или может быть задан автоматически</a:t>
             </a:r>
             <a:endParaRPr lang="en-US" sz="2400" dirty="0" smtClean="0">
               <a:latin typeface="PT Sans" pitchFamily="34" charset="-52"/>
@@ -20141,14 +20123,7 @@
                 <a:latin typeface="PT Sans" pitchFamily="34" charset="-52"/>
                 <a:ea typeface="PT Sans" pitchFamily="34" charset="-52"/>
               </a:rPr>
-              <a:t>Память хоста </a:t>
-            </a:r>
-            <a:r>
-              <a:rPr lang="ru-RU" sz="2800" dirty="0" smtClean="0">
-                <a:latin typeface="PT Sans" pitchFamily="34" charset="-52"/>
-                <a:ea typeface="PT Sans" pitchFamily="34" charset="-52"/>
-              </a:rPr>
-              <a:t>– </a:t>
+              <a:t>Память хоста – </a:t>
             </a:r>
             <a:r>
               <a:rPr lang="en-US" sz="2800" dirty="0" smtClean="0">
@@ -20168,14 +20143,21 @@
                 <a:latin typeface="PT Sans" pitchFamily="34" charset="-52"/>
                 <a:ea typeface="PT Sans" pitchFamily="34" charset="-52"/>
               </a:rPr>
-              <a:t>Глобальная </a:t>
+              <a:t>Глобальная память</a:t>
+            </a:r>
+            <a:r>
+              <a:rPr lang="en-US" sz="2800" dirty="0" smtClean="0">
+                <a:latin typeface="PT Sans" pitchFamily="34" charset="-52"/>
+                <a:ea typeface="PT Sans" pitchFamily="34" charset="-52"/>
+              </a:rPr>
+              <a:t> </a:t>
             </a:r>
             <a:r>
               <a:rPr lang="ru-RU" sz="2800" dirty="0" smtClean="0">
                 <a:latin typeface="PT Sans" pitchFamily="34" charset="-52"/>
                 <a:ea typeface="PT Sans" pitchFamily="34" charset="-52"/>
               </a:rPr>
-              <a:t>память</a:t>
+              <a:t>–</a:t>
             </a:r>
             <a:r>
               <a:rPr lang="en-US" sz="2800" dirty="0" smtClean="0">
@@ -20189,7 +20171,7 @@
                 <a:latin typeface="PT Sans" pitchFamily="34" charset="-52"/>
                 <a:ea typeface="PT Sans" pitchFamily="34" charset="-52"/>
               </a:rPr>
-              <a:t>–</a:t>
+              <a:t>доступ на чтение/запись рабочим элементам</a:t>
             </a:r>
             <a:r>
               <a:rPr lang="en-US" sz="2800" dirty="0" smtClean="0">
@@ -20203,69 +20185,30 @@
                 <a:latin typeface="PT Sans" pitchFamily="34" charset="-52"/>
                 <a:ea typeface="PT Sans" pitchFamily="34" charset="-52"/>
               </a:rPr>
-              <a:t>доступ на чтение/запись рабочим элементам</a:t>
-            </a:r>
-            <a:r>
-              <a:rPr lang="en-US" sz="2800" dirty="0" smtClean="0">
-                <a:latin typeface="PT Sans" pitchFamily="34" charset="-52"/>
-                <a:ea typeface="PT Sans" pitchFamily="34" charset="-52"/>
-              </a:rPr>
-              <a:t> </a:t>
-            </a:r>
+              <a:t>и  хосту</a:t>
+            </a:r>
+          </a:p>
+          <a:p>
             <a:r>
               <a:rPr lang="ru-RU" sz="2800" dirty="0" smtClean="0">
                 <a:latin typeface="PT Sans" pitchFamily="34" charset="-52"/>
                 <a:ea typeface="PT Sans" pitchFamily="34" charset="-52"/>
               </a:rPr>
-              <a:t>и  хосту</a:t>
-            </a:r>
-            <a:endParaRPr lang="ru-RU" sz="2800" dirty="0" smtClean="0">
-              <a:latin typeface="PT Sans" pitchFamily="34" charset="-52"/>
-              <a:ea typeface="PT Sans" pitchFamily="34" charset="-52"/>
-            </a:endParaRPr>
-          </a:p>
-          <a:p>
+              <a:t>Константная память </a:t>
+            </a:r>
+            <a:r>
+              <a:rPr lang="ru-RU" sz="2800" dirty="0">
+                <a:latin typeface="PT Sans" pitchFamily="34" charset="-52"/>
+                <a:ea typeface="PT Sans" pitchFamily="34" charset="-52"/>
+              </a:rPr>
+              <a:t>– доступ на чтение/запись </a:t>
+            </a:r>
             <a:r>
               <a:rPr lang="ru-RU" sz="2800" dirty="0" smtClean="0">
                 <a:latin typeface="PT Sans" pitchFamily="34" charset="-52"/>
                 <a:ea typeface="PT Sans" pitchFamily="34" charset="-52"/>
               </a:rPr>
-              <a:t>Константная </a:t>
-            </a:r>
-            <a:r>
-              <a:rPr lang="ru-RU" sz="2800" dirty="0" smtClean="0">
-                <a:latin typeface="PT Sans" pitchFamily="34" charset="-52"/>
-                <a:ea typeface="PT Sans" pitchFamily="34" charset="-52"/>
-              </a:rPr>
-              <a:t>память </a:t>
-            </a:r>
-            <a:r>
-              <a:rPr lang="ru-RU" sz="2800" dirty="0">
-                <a:latin typeface="PT Sans" pitchFamily="34" charset="-52"/>
-                <a:ea typeface="PT Sans" pitchFamily="34" charset="-52"/>
-              </a:rPr>
-              <a:t>– доступ на чтение/запись </a:t>
-            </a:r>
-            <a:r>
-              <a:rPr lang="ru-RU" sz="2800" dirty="0" smtClean="0">
-                <a:latin typeface="PT Sans" pitchFamily="34" charset="-52"/>
-                <a:ea typeface="PT Sans" pitchFamily="34" charset="-52"/>
-              </a:rPr>
-              <a:t>хосту, </a:t>
-            </a:r>
-            <a:r>
-              <a:rPr lang="ru-RU" sz="2800" dirty="0" smtClean="0">
-                <a:latin typeface="PT Sans" pitchFamily="34" charset="-52"/>
-                <a:ea typeface="PT Sans" pitchFamily="34" charset="-52"/>
-              </a:rPr>
-              <a:t>элементам </a:t>
-            </a:r>
-            <a:r>
-              <a:rPr lang="ru-RU" sz="2800" dirty="0" smtClean="0">
-                <a:latin typeface="PT Sans" pitchFamily="34" charset="-52"/>
-                <a:ea typeface="PT Sans" pitchFamily="34" charset="-52"/>
-              </a:rPr>
-              <a:t>на чтение</a:t>
+              <a:t>хосту, элементам на чтение</a:t>
             </a:r>
           </a:p>
           <a:p>
@@ -26628,21 +26571,7 @@
                 <a:latin typeface="PT Sans" pitchFamily="34" charset="-52"/>
                 <a:ea typeface="PT Sans" pitchFamily="34" charset="-52"/>
               </a:rPr>
-              <a:t>Компиляция </a:t>
-            </a:r>
-            <a:r>
-              <a:rPr lang="ru-RU" sz="2800" dirty="0" smtClean="0">
-                <a:latin typeface="PT Sans" pitchFamily="34" charset="-52"/>
-                <a:ea typeface="PT Sans" pitchFamily="34" charset="-52"/>
-              </a:rPr>
-              <a:t>происходит на </a:t>
-            </a:r>
-            <a:r>
-              <a:rPr lang="ru-RU" sz="2800" dirty="0" smtClean="0">
-                <a:latin typeface="PT Sans" pitchFamily="34" charset="-52"/>
-                <a:ea typeface="PT Sans" pitchFamily="34" charset="-52"/>
-              </a:rPr>
-              <a:t>этапе выполнения</a:t>
+              <a:t>Компиляция происходит на этапе выполнения</a:t>
             </a:r>
           </a:p>
         </p:txBody>
@@ -26933,20 +26862,7 @@
                 <a:latin typeface="Consolas" pitchFamily="49" charset="0"/>
                 <a:cs typeface="Consolas" pitchFamily="49" charset="0"/>
               </a:rPr>
-              <a:t>__global float *</a:t>
-            </a:r>
-            <a:r>
-              <a:rPr lang="en-US" dirty="0">
-                <a:solidFill>
-                  <a:srgbClr val="808080"/>
-                </a:solidFill>
-                <a:highlight>
-                  <a:srgbClr val="FFFFFF"/>
-                </a:highlight>
-                <a:latin typeface="Consolas" pitchFamily="49" charset="0"/>
-                <a:cs typeface="Consolas" pitchFamily="49" charset="0"/>
-              </a:rPr>
-              <a:t>out</a:t>
+              <a:t>__global float *out</a:t>
             </a:r>
             <a:r>
               <a:rPr lang="en-US" dirty="0" smtClean="0">
@@ -27897,20 +27813,7 @@
                 <a:latin typeface="Consolas" pitchFamily="49" charset="0"/>
                 <a:cs typeface="Consolas" pitchFamily="49" charset="0"/>
               </a:rPr>
-              <a:t>код </a:t>
-            </a:r>
-            <a:r>
-              <a:rPr lang="ru-RU" dirty="0" smtClean="0">
-                <a:solidFill>
-                  <a:srgbClr val="008000"/>
-                </a:solidFill>
-                <a:highlight>
-                  <a:srgbClr val="FFFFFF"/>
-                </a:highlight>
-                <a:latin typeface="Consolas" pitchFamily="49" charset="0"/>
-                <a:cs typeface="Consolas" pitchFamily="49" charset="0"/>
-              </a:rPr>
-              <a:t>ошибки</a:t>
+              <a:t>код ошибки</a:t>
             </a:r>
             <a:r>
               <a:rPr lang="ru-RU" b="1" dirty="0" smtClean="0">
@@ -29239,19 +29142,8 @@
                 <a:latin typeface="PT Sans" pitchFamily="34" charset="-52"/>
                 <a:ea typeface="PT Sans" pitchFamily="34" charset="-52"/>
               </a:rPr>
-              <a:t> памяти создаются с хоста при помощи специальных </a:t>
-            </a:r>
-            <a:r>
-              <a:rPr lang="ru-RU" sz="2800" dirty="0" smtClean="0">
-                <a:latin typeface="PT Sans" pitchFamily="34" charset="-52"/>
-                <a:ea typeface="PT Sans" pitchFamily="34" charset="-52"/>
-              </a:rPr>
-              <a:t>функций</a:t>
-            </a:r>
-            <a:endParaRPr lang="ru-RU" sz="2800" dirty="0" smtClean="0">
-              <a:latin typeface="PT Sans" pitchFamily="34" charset="-52"/>
-              <a:ea typeface="PT Sans" pitchFamily="34" charset="-52"/>
-            </a:endParaRPr>
+              <a:t> памяти создаются с хоста при помощи специальных функций</a:t>
+            </a:r>
           </a:p>
         </p:txBody>
       </p:sp>
@@ -29484,20 +29376,7 @@
                 <a:latin typeface="Consolas" pitchFamily="49" charset="0"/>
                 <a:cs typeface="Consolas" pitchFamily="49" charset="0"/>
               </a:rPr>
-              <a:t>	</a:t>
-            </a:r>
-            <a:r>
-              <a:rPr lang="en-US" dirty="0">
-                <a:solidFill>
-                  <a:srgbClr val="000000"/>
-                </a:solidFill>
-                <a:highlight>
-                  <a:srgbClr val="FFFFFF"/>
-                </a:highlight>
-                <a:latin typeface="Consolas" pitchFamily="49" charset="0"/>
-                <a:cs typeface="Consolas" pitchFamily="49" charset="0"/>
-              </a:rPr>
-              <a:t>CL_MEM_READ_WRITE</a:t>
+              <a:t>	CL_MEM_READ_WRITE</a:t>
             </a:r>
             <a:r>
               <a:rPr lang="en-US" dirty="0" smtClean="0">
@@ -29525,16 +29404,6 @@
               </a:rPr>
               <a:t>флаг задающий тип использования буфера</a:t>
             </a:r>
-            <a:endParaRPr lang="ru-RU" dirty="0" smtClean="0">
-              <a:solidFill>
-                <a:srgbClr val="008000"/>
-              </a:solidFill>
-              <a:highlight>
-                <a:srgbClr val="FFFFFF"/>
-              </a:highlight>
-              <a:latin typeface="Consolas" pitchFamily="49" charset="0"/>
-              <a:cs typeface="Consolas" pitchFamily="49" charset="0"/>
-            </a:endParaRPr>
           </a:p>
           <a:p>
             <a:r>
@@ -29794,46 +29663,7 @@
                 <a:latin typeface="Consolas" pitchFamily="49" charset="0"/>
                 <a:cs typeface="Consolas" pitchFamily="49" charset="0"/>
               </a:rPr>
-              <a:t>указатель </a:t>
-            </a:r>
-            <a:r>
-              <a:rPr lang="ru-RU" dirty="0" smtClean="0">
-                <a:solidFill>
-                  <a:srgbClr val="008000"/>
-                </a:solidFill>
-                <a:highlight>
-                  <a:srgbClr val="FFFFFF"/>
-                </a:highlight>
-                <a:latin typeface="Consolas" pitchFamily="49" charset="0"/>
-                <a:cs typeface="Consolas" pitchFamily="49" charset="0"/>
-              </a:rPr>
-              <a:t>на память </a:t>
-            </a:r>
-            <a:r>
-              <a:rPr lang="ru-RU" dirty="0" smtClean="0">
-                <a:solidFill>
-                  <a:srgbClr val="008000"/>
-                </a:solidFill>
-                <a:highlight>
-                  <a:srgbClr val="FFFFFF"/>
-                </a:highlight>
-                <a:latin typeface="Consolas" pitchFamily="49" charset="0"/>
-                <a:cs typeface="Consolas" pitchFamily="49" charset="0"/>
-              </a:rPr>
-              <a:t>хоста </a:t>
-            </a:r>
-            <a:r>
-              <a:rPr lang="ru-RU" dirty="0" smtClean="0">
-                <a:solidFill>
-                  <a:srgbClr val="008000"/>
-                </a:solidFill>
-                <a:highlight>
-                  <a:srgbClr val="FFFFFF"/>
-                </a:highlight>
-                <a:latin typeface="Consolas" pitchFamily="49" charset="0"/>
-                <a:cs typeface="Consolas" pitchFamily="49" charset="0"/>
-              </a:rPr>
-              <a:t>откуда копировать данные</a:t>
+              <a:t>указатель на память хоста откуда копировать данные</a:t>
             </a:r>
             <a:endParaRPr lang="en-US" dirty="0">
               <a:solidFill>
@@ -29910,20 +29740,7 @@
                 <a:latin typeface="Consolas" pitchFamily="49" charset="0"/>
                 <a:cs typeface="Consolas" pitchFamily="49" charset="0"/>
               </a:rPr>
-              <a:t>код </a:t>
-            </a:r>
-            <a:r>
-              <a:rPr lang="ru-RU" dirty="0" smtClean="0">
-                <a:solidFill>
-                  <a:srgbClr val="008000"/>
-                </a:solidFill>
-                <a:highlight>
-                  <a:srgbClr val="FFFFFF"/>
-                </a:highlight>
-                <a:latin typeface="Consolas" pitchFamily="49" charset="0"/>
-                <a:cs typeface="Consolas" pitchFamily="49" charset="0"/>
-              </a:rPr>
-              <a:t>ошибки</a:t>
+              <a:t>код ошибки</a:t>
             </a:r>
             <a:r>
               <a:rPr lang="ru-RU" b="1" dirty="0" smtClean="0">
@@ -30726,72 +30543,7 @@
                 <a:latin typeface="Consolas" pitchFamily="49" charset="0"/>
                 <a:cs typeface="Consolas" pitchFamily="49" charset="0"/>
               </a:rPr>
-              <a:t>указатель </a:t>
-            </a:r>
-            <a:r>
-              <a:rPr lang="ru-RU" dirty="0" smtClean="0">
-                <a:solidFill>
-                  <a:srgbClr val="008000"/>
-                </a:solidFill>
-                <a:highlight>
-                  <a:srgbClr val="FFFFFF"/>
-                </a:highlight>
-                <a:latin typeface="Consolas" pitchFamily="49" charset="0"/>
-                <a:cs typeface="Consolas" pitchFamily="49" charset="0"/>
-              </a:rPr>
-              <a:t>на память </a:t>
-            </a:r>
-            <a:r>
-              <a:rPr lang="ru-RU" dirty="0" smtClean="0">
-                <a:solidFill>
-                  <a:srgbClr val="008000"/>
-                </a:solidFill>
-                <a:highlight>
-                  <a:srgbClr val="FFFFFF"/>
-                </a:highlight>
-                <a:latin typeface="Consolas" pitchFamily="49" charset="0"/>
-                <a:cs typeface="Consolas" pitchFamily="49" charset="0"/>
-              </a:rPr>
-              <a:t>хоста </a:t>
-            </a:r>
-            <a:r>
-              <a:rPr lang="ru-RU" dirty="0" smtClean="0">
-                <a:solidFill>
-                  <a:srgbClr val="008000"/>
-                </a:solidFill>
-                <a:highlight>
-                  <a:srgbClr val="FFFFFF"/>
-                </a:highlight>
-                <a:latin typeface="Consolas" pitchFamily="49" charset="0"/>
-                <a:cs typeface="Consolas" pitchFamily="49" charset="0"/>
-              </a:rPr>
-              <a:t>от</a:t>
-            </a:r>
-            <a:r>
-              <a:rPr lang="ru-RU" dirty="0" smtClean="0">
-                <a:solidFill>
-                  <a:srgbClr val="008000"/>
-                </a:solidFill>
-                <a:highlight>
-                  <a:srgbClr val="FFFFFF"/>
-                </a:highlight>
-                <a:latin typeface="Consolas" pitchFamily="49" charset="0"/>
-                <a:cs typeface="Consolas" pitchFamily="49" charset="0"/>
-              </a:rPr>
-              <a:t>куда </a:t>
-            </a:r>
-            <a:r>
-              <a:rPr lang="ru-RU" dirty="0" smtClean="0">
-                <a:solidFill>
-                  <a:srgbClr val="008000"/>
-                </a:solidFill>
-                <a:highlight>
-                  <a:srgbClr val="FFFFFF"/>
-                </a:highlight>
-                <a:latin typeface="Consolas" pitchFamily="49" charset="0"/>
-                <a:cs typeface="Consolas" pitchFamily="49" charset="0"/>
-              </a:rPr>
-              <a:t>копируются данные</a:t>
+              <a:t>указатель на память хоста откуда копируются данные</a:t>
             </a:r>
             <a:endParaRPr lang="en-US" dirty="0">
               <a:solidFill>
@@ -30881,20 +30633,7 @@
                 <a:latin typeface="Consolas" pitchFamily="49" charset="0"/>
                 <a:cs typeface="Consolas" pitchFamily="49" charset="0"/>
               </a:rPr>
-              <a:t>количество </a:t>
-            </a:r>
-            <a:r>
-              <a:rPr lang="ru-RU" dirty="0" smtClean="0">
-                <a:solidFill>
-                  <a:srgbClr val="008000"/>
-                </a:solidFill>
-                <a:highlight>
-                  <a:srgbClr val="FFFFFF"/>
-                </a:highlight>
-                <a:latin typeface="Consolas" pitchFamily="49" charset="0"/>
-                <a:cs typeface="Consolas" pitchFamily="49" charset="0"/>
-              </a:rPr>
-              <a:t>событий в списке событий</a:t>
+              <a:t>количество событий в списке событий</a:t>
             </a:r>
             <a:endParaRPr lang="en-US" dirty="0">
               <a:solidFill>
@@ -30984,20 +30723,7 @@
                 <a:latin typeface="Consolas" pitchFamily="49" charset="0"/>
                 <a:cs typeface="Consolas" pitchFamily="49" charset="0"/>
               </a:rPr>
-              <a:t>события</a:t>
-            </a:r>
-            <a:r>
-              <a:rPr lang="ru-RU" dirty="0" smtClean="0">
-                <a:solidFill>
-                  <a:srgbClr val="008000"/>
-                </a:solidFill>
-                <a:highlight>
-                  <a:srgbClr val="FFFFFF"/>
-                </a:highlight>
-                <a:latin typeface="Consolas" pitchFamily="49" charset="0"/>
-                <a:cs typeface="Consolas" pitchFamily="49" charset="0"/>
-              </a:rPr>
-              <a:t>, которые надо завершить до копирования</a:t>
+              <a:t>события, которые надо завершить до копирования</a:t>
             </a:r>
             <a:endParaRPr lang="en-US" dirty="0">
               <a:solidFill>
@@ -31074,33 +30800,7 @@
                 <a:latin typeface="Consolas" pitchFamily="49" charset="0"/>
                 <a:cs typeface="Consolas" pitchFamily="49" charset="0"/>
               </a:rPr>
-              <a:t>объект </a:t>
-            </a:r>
-            <a:r>
-              <a:rPr lang="ru-RU" dirty="0" smtClean="0">
-                <a:solidFill>
-                  <a:srgbClr val="008000"/>
-                </a:solidFill>
-                <a:highlight>
-                  <a:srgbClr val="FFFFFF"/>
-                </a:highlight>
-                <a:latin typeface="Consolas" pitchFamily="49" charset="0"/>
-                <a:cs typeface="Consolas" pitchFamily="49" charset="0"/>
-              </a:rPr>
-              <a:t>события, который нужно вернуть при </a:t>
-            </a:r>
-            <a:r>
-              <a:rPr lang="ru-RU" dirty="0" smtClean="0">
-                <a:solidFill>
-                  <a:srgbClr val="008000"/>
-                </a:solidFill>
-                <a:highlight>
-                  <a:srgbClr val="FFFFFF"/>
-                </a:highlight>
-                <a:latin typeface="Consolas" pitchFamily="49" charset="0"/>
-                <a:cs typeface="Consolas" pitchFamily="49" charset="0"/>
-              </a:rPr>
-              <a:t>завершении</a:t>
+              <a:t>объект события, который нужно вернуть при завершении</a:t>
             </a:r>
             <a:r>
               <a:rPr lang="ru-RU" b="1" dirty="0" smtClean="0">
@@ -35088,11 +34788,25 @@
           <a:lstStyle/>
           <a:p>
             <a:r>
+              <a:rPr lang="en-US" sz="4000" dirty="0" smtClean="0">
+                <a:latin typeface="PT Sans" pitchFamily="34" charset="-52"/>
+                <a:ea typeface="PT Sans" pitchFamily="34" charset="-52"/>
+              </a:rPr>
+              <a:t>Hello, world </a:t>
+            </a:r>
+            <a:r>
               <a:rPr lang="ru-RU" sz="4000" dirty="0" smtClean="0">
                 <a:latin typeface="PT Sans" pitchFamily="34" charset="-52"/>
                 <a:ea typeface="PT Sans" pitchFamily="34" charset="-52"/>
               </a:rPr>
-              <a:t>Пример 1</a:t>
+              <a:t>на </a:t>
+            </a:r>
+            <a:r>
+              <a:rPr lang="en-US" sz="4000" dirty="0" err="1" smtClean="0">
+                <a:latin typeface="PT Sans" pitchFamily="34" charset="-52"/>
+                <a:ea typeface="PT Sans" pitchFamily="34" charset="-52"/>
+              </a:rPr>
+              <a:t>OpenCL</a:t>
             </a:r>
             <a:endParaRPr lang="ru-RU" sz="4000" dirty="0">
               <a:latin typeface="PT Sans" pitchFamily="34" charset="-52"/>
@@ -35123,7 +34837,30 @@
                 <a:latin typeface="PT Sans" pitchFamily="34" charset="-52"/>
                 <a:ea typeface="PT Sans" pitchFamily="34" charset="-52"/>
               </a:rPr>
-              <a:t>Вычисление квадратов элементов вектора</a:t>
+              <a:t>Пример: вычисление </a:t>
+            </a:r>
+            <a:r>
+              <a:rPr lang="ru-RU" sz="2800" dirty="0" smtClean="0">
+                <a:latin typeface="PT Sans" pitchFamily="34" charset="-52"/>
+                <a:ea typeface="PT Sans" pitchFamily="34" charset="-52"/>
+              </a:rPr>
+              <a:t>квадратов элементов </a:t>
+            </a:r>
+            <a:r>
+              <a:rPr lang="ru-RU" sz="2800" dirty="0" smtClean="0">
+                <a:latin typeface="PT Sans" pitchFamily="34" charset="-52"/>
+                <a:ea typeface="PT Sans" pitchFamily="34" charset="-52"/>
+              </a:rPr>
+              <a:t>вектора</a:t>
+            </a:r>
+          </a:p>
+          <a:p>
+            <a:r>
+              <a:rPr lang="ru-RU" sz="2800" dirty="0" smtClean="0">
+                <a:latin typeface="PT Sans" pitchFamily="34" charset="-52"/>
+                <a:ea typeface="PT Sans" pitchFamily="34" charset="-52"/>
+              </a:rPr>
+              <a:t>Замеряется общее время выполнения с учетом создания всех контекстов</a:t>
             </a:r>
             <a:endParaRPr lang="en-US" sz="2800" dirty="0" smtClean="0">
               <a:latin typeface="PT Sans" pitchFamily="34" charset="-52"/>
@@ -35345,55 +35082,13 @@
           <a:lstStyle/>
           <a:p>
             <a:r>
-              <a:rPr lang="ru-RU" dirty="0" smtClean="0">
+              <a:rPr lang="ru-RU" sz="4400" dirty="0" smtClean="0">
                 <a:latin typeface="PT Sans" pitchFamily="34" charset="-52"/>
                 <a:ea typeface="PT Sans" pitchFamily="34" charset="-52"/>
               </a:rPr>
               <a:t>Вопросы</a:t>
             </a:r>
-            <a:endParaRPr lang="ru-RU" dirty="0">
-              <a:latin typeface="PT Sans" pitchFamily="34" charset="-52"/>
-              <a:ea typeface="PT Sans" pitchFamily="34" charset="-52"/>
-            </a:endParaRPr>
-          </a:p>
-        </p:txBody>
-      </p:sp>
-      <p:sp>
-        <p:nvSpPr>
-          <p:cNvPr id="3" name="Подзаголовок 2"/>
-          <p:cNvSpPr>
-            <a:spLocks noGrp="1"/>
-          </p:cNvSpPr>
-          <p:nvPr>
-            <p:ph type="subTitle" idx="1"/>
-          </p:nvPr>
-        </p:nvSpPr>
-        <p:spPr>
-          <a:xfrm>
-            <a:off x="1043608" y="4293096"/>
-            <a:ext cx="6984776" cy="792088"/>
-          </a:xfrm>
-        </p:spPr>
-        <p:txBody>
-          <a:bodyPr>
-            <a:normAutofit/>
-          </a:bodyPr>
-          <a:lstStyle/>
-          <a:p>
-            <a:r>
-              <a:rPr lang="en-US" dirty="0" smtClean="0">
-                <a:latin typeface="PT Sans" pitchFamily="34" charset="-52"/>
-                <a:ea typeface="PT Sans" pitchFamily="34" charset="-52"/>
-              </a:rPr>
-              <a:t>ekhramch@kpfu.ru</a:t>
-            </a:r>
-            <a:endParaRPr lang="ru-RU" dirty="0" smtClean="0">
-              <a:latin typeface="PT Sans" pitchFamily="34" charset="-52"/>
-              <a:ea typeface="PT Sans" pitchFamily="34" charset="-52"/>
-            </a:endParaRPr>
-          </a:p>
-          <a:p>
-            <a:endParaRPr lang="ru-RU" dirty="0" smtClean="0">
+            <a:endParaRPr lang="ru-RU" sz="4400" dirty="0">
               <a:latin typeface="PT Sans" pitchFamily="34" charset="-52"/>
               <a:ea typeface="PT Sans" pitchFamily="34" charset="-52"/>
             </a:endParaRPr>

--- a/lec_0/lec_0.pptx
+++ b/lec_0/lec_0.pptx
@@ -6352,28 +6352,14 @@
                 <a:latin typeface="PT Sans" pitchFamily="34" charset="-52"/>
                 <a:ea typeface="PT Sans" pitchFamily="34" charset="-52"/>
               </a:rPr>
-              <a:t> </a:t>
-            </a:r>
-            <a:r>
-              <a:rPr lang="en-US" sz="2800" dirty="0" smtClean="0">
-                <a:latin typeface="PT Sans" pitchFamily="34" charset="-52"/>
-                <a:ea typeface="PT Sans" pitchFamily="34" charset="-52"/>
-              </a:rPr>
-              <a:t>CUDA</a:t>
+              <a:t> CUDA</a:t>
             </a:r>
             <a:r>
               <a:rPr lang="ru-RU" sz="2800" dirty="0" smtClean="0">
                 <a:latin typeface="PT Sans" pitchFamily="34" charset="-52"/>
                 <a:ea typeface="PT Sans" pitchFamily="34" charset="-52"/>
               </a:rPr>
-              <a:t> </a:t>
-            </a:r>
-            <a:r>
-              <a:rPr lang="ru-RU" sz="2800" dirty="0" smtClean="0">
-                <a:latin typeface="PT Sans" pitchFamily="34" charset="-52"/>
-                <a:ea typeface="PT Sans" pitchFamily="34" charset="-52"/>
-              </a:rPr>
-              <a:t>содержит реализацию </a:t>
+              <a:t> содержит реализацию </a:t>
             </a:r>
             <a:r>
               <a:rPr lang="en-US" sz="2800" dirty="0" err="1" smtClean="0">
@@ -6407,14 +6393,7 @@
                 <a:latin typeface="PT Sans" pitchFamily="34" charset="-52"/>
                 <a:ea typeface="PT Sans" pitchFamily="34" charset="-52"/>
               </a:rPr>
-              <a:t> </a:t>
-            </a:r>
-            <a:r>
-              <a:rPr lang="ru-RU" sz="2800" dirty="0" smtClean="0">
-                <a:latin typeface="PT Sans" pitchFamily="34" charset="-52"/>
-                <a:ea typeface="PT Sans" pitchFamily="34" charset="-52"/>
-              </a:rPr>
-              <a:t>с ключами</a:t>
+              <a:t> с ключами</a:t>
             </a:r>
             <a:r>
               <a:rPr lang="en-US" sz="2800" dirty="0" smtClean="0">
@@ -27996,8 +27975,33 @@
                 <a:latin typeface="PT Sans" pitchFamily="34" charset="-52"/>
                 <a:ea typeface="PT Sans" pitchFamily="34" charset="-52"/>
               </a:rPr>
-              <a:t>Параллельное программирование в авиации, автомобилях, смартфонах</a:t>
-            </a:r>
+              <a:t>Параллельное программирование в авиации, </a:t>
+            </a:r>
+            <a:r>
+              <a:rPr lang="ru-RU" sz="2800" dirty="0" smtClean="0">
+                <a:latin typeface="PT Sans" pitchFamily="34" charset="-52"/>
+                <a:ea typeface="PT Sans" pitchFamily="34" charset="-52"/>
+              </a:rPr>
+              <a:t>автомобилях</a:t>
+            </a:r>
+            <a:r>
+              <a:rPr lang="en-US" sz="2800" smtClean="0">
+                <a:latin typeface="PT Sans" pitchFamily="34" charset="-52"/>
+                <a:ea typeface="PT Sans" pitchFamily="34" charset="-52"/>
+              </a:rPr>
+              <a:t>,</a:t>
+            </a:r>
+            <a:r>
+              <a:rPr lang="en-US" sz="2800" smtClean="0">
+                <a:latin typeface="PT Sans" pitchFamily="34" charset="-52"/>
+                <a:ea typeface="PT Sans" pitchFamily="34" charset="-52"/>
+              </a:rPr>
+              <a:t> etc.</a:t>
+            </a:r>
+            <a:endParaRPr lang="ru-RU" sz="2800" dirty="0" smtClean="0">
+              <a:latin typeface="PT Sans" pitchFamily="34" charset="-52"/>
+              <a:ea typeface="PT Sans" pitchFamily="34" charset="-52"/>
+            </a:endParaRPr>
           </a:p>
           <a:p>
             <a:endParaRPr lang="en-US" sz="2800" dirty="0">
@@ -34837,21 +34841,7 @@
                 <a:latin typeface="PT Sans" pitchFamily="34" charset="-52"/>
                 <a:ea typeface="PT Sans" pitchFamily="34" charset="-52"/>
               </a:rPr>
-              <a:t>Пример: вычисление </a:t>
-            </a:r>
-            <a:r>
-              <a:rPr lang="ru-RU" sz="2800" dirty="0" smtClean="0">
-                <a:latin typeface="PT Sans" pitchFamily="34" charset="-52"/>
-                <a:ea typeface="PT Sans" pitchFamily="34" charset="-52"/>
-              </a:rPr>
-              <a:t>квадратов элементов </a:t>
-            </a:r>
-            <a:r>
-              <a:rPr lang="ru-RU" sz="2800" dirty="0" smtClean="0">
-                <a:latin typeface="PT Sans" pitchFamily="34" charset="-52"/>
-                <a:ea typeface="PT Sans" pitchFamily="34" charset="-52"/>
-              </a:rPr>
-              <a:t>вектора</a:t>
+              <a:t>Пример: вычисление квадратов элементов вектора</a:t>
             </a:r>
           </a:p>
           <a:p>

--- a/lec_0/lec_0.pptx
+++ b/lec_0/lec_0.pptx
@@ -241,7 +241,7 @@
           <a:p>
             <a:fld id="{07CCACB0-F8FE-4858-B318-FD65BA258CC9}" type="datetimeFigureOut">
               <a:rPr lang="ru-RU" smtClean="0"/>
-              <a:t>15.11.2017</a:t>
+              <a:t>30.11.2017</a:t>
             </a:fld>
             <a:endParaRPr lang="ru-RU"/>
           </a:p>
@@ -1302,7 +1302,7 @@
           <a:p>
             <a:fld id="{B4C71EC6-210F-42DE-9C53-41977AD35B3D}" type="datetimeFigureOut">
               <a:rPr lang="ru-RU" smtClean="0"/>
-              <a:t>15.11.2017</a:t>
+              <a:t>30.11.2017</a:t>
             </a:fld>
             <a:endParaRPr lang="ru-RU"/>
           </a:p>
@@ -1498,7 +1498,7 @@
           <a:p>
             <a:fld id="{B4C71EC6-210F-42DE-9C53-41977AD35B3D}" type="datetimeFigureOut">
               <a:rPr lang="ru-RU" smtClean="0"/>
-              <a:t>15.11.2017</a:t>
+              <a:t>30.11.2017</a:t>
             </a:fld>
             <a:endParaRPr lang="ru-RU"/>
           </a:p>
@@ -1683,7 +1683,7 @@
           <a:p>
             <a:fld id="{B4C71EC6-210F-42DE-9C53-41977AD35B3D}" type="datetimeFigureOut">
               <a:rPr lang="ru-RU" smtClean="0"/>
-              <a:t>15.11.2017</a:t>
+              <a:t>30.11.2017</a:t>
             </a:fld>
             <a:endParaRPr lang="ru-RU"/>
           </a:p>
@@ -1833,7 +1833,7 @@
           <a:p>
             <a:fld id="{B4C71EC6-210F-42DE-9C53-41977AD35B3D}" type="datetimeFigureOut">
               <a:rPr lang="ru-RU" smtClean="0"/>
-              <a:t>15.11.2017</a:t>
+              <a:t>30.11.2017</a:t>
             </a:fld>
             <a:endParaRPr lang="ru-RU"/>
           </a:p>
@@ -2083,7 +2083,7 @@
           <a:p>
             <a:fld id="{B4C71EC6-210F-42DE-9C53-41977AD35B3D}" type="datetimeFigureOut">
               <a:rPr lang="ru-RU" smtClean="0"/>
-              <a:t>15.11.2017</a:t>
+              <a:t>30.11.2017</a:t>
             </a:fld>
             <a:endParaRPr lang="ru-RU"/>
           </a:p>
@@ -2487,7 +2487,7 @@
           <a:p>
             <a:fld id="{B4C71EC6-210F-42DE-9C53-41977AD35B3D}" type="datetimeFigureOut">
               <a:rPr lang="ru-RU" smtClean="0"/>
-              <a:t>15.11.2017</a:t>
+              <a:t>30.11.2017</a:t>
             </a:fld>
             <a:endParaRPr lang="ru-RU"/>
           </a:p>
@@ -2928,7 +2928,7 @@
           <a:p>
             <a:fld id="{B4C71EC6-210F-42DE-9C53-41977AD35B3D}" type="datetimeFigureOut">
               <a:rPr lang="ru-RU" smtClean="0"/>
-              <a:t>15.11.2017</a:t>
+              <a:t>30.11.2017</a:t>
             </a:fld>
             <a:endParaRPr lang="ru-RU"/>
           </a:p>
@@ -3024,7 +3024,7 @@
           <a:p>
             <a:fld id="{B4C71EC6-210F-42DE-9C53-41977AD35B3D}" type="datetimeFigureOut">
               <a:rPr lang="ru-RU" smtClean="0"/>
-              <a:t>15.11.2017</a:t>
+              <a:t>30.11.2017</a:t>
             </a:fld>
             <a:endParaRPr lang="ru-RU"/>
           </a:p>
@@ -3145,7 +3145,7 @@
           <a:p>
             <a:fld id="{B4C71EC6-210F-42DE-9C53-41977AD35B3D}" type="datetimeFigureOut">
               <a:rPr lang="ru-RU" smtClean="0"/>
-              <a:t>15.11.2017</a:t>
+              <a:t>30.11.2017</a:t>
             </a:fld>
             <a:endParaRPr lang="ru-RU"/>
           </a:p>
@@ -3414,7 +3414,7 @@
           <a:p>
             <a:fld id="{B4C71EC6-210F-42DE-9C53-41977AD35B3D}" type="datetimeFigureOut">
               <a:rPr lang="ru-RU" smtClean="0"/>
-              <a:t>15.11.2017</a:t>
+              <a:t>30.11.2017</a:t>
             </a:fld>
             <a:endParaRPr lang="ru-RU"/>
           </a:p>
@@ -3614,7 +3614,7 @@
           <a:p>
             <a:fld id="{B4C71EC6-210F-42DE-9C53-41977AD35B3D}" type="datetimeFigureOut">
               <a:rPr lang="ru-RU" smtClean="0"/>
-              <a:t>15.11.2017</a:t>
+              <a:t>30.11.2017</a:t>
             </a:fld>
             <a:endParaRPr lang="ru-RU"/>
           </a:p>
@@ -4732,7 +4732,7 @@
           <a:p>
             <a:fld id="{B4C71EC6-210F-42DE-9C53-41977AD35B3D}" type="datetimeFigureOut">
               <a:rPr lang="ru-RU" smtClean="0"/>
-              <a:t>15.11.2017</a:t>
+              <a:t>30.11.2017</a:t>
             </a:fld>
             <a:endParaRPr lang="ru-RU"/>
           </a:p>
@@ -27975,28 +27975,14 @@
                 <a:latin typeface="PT Sans" pitchFamily="34" charset="-52"/>
                 <a:ea typeface="PT Sans" pitchFamily="34" charset="-52"/>
               </a:rPr>
-              <a:t>Параллельное программирование в авиации, </a:t>
-            </a:r>
-            <a:r>
-              <a:rPr lang="ru-RU" sz="2800" dirty="0" smtClean="0">
-                <a:latin typeface="PT Sans" pitchFamily="34" charset="-52"/>
-                <a:ea typeface="PT Sans" pitchFamily="34" charset="-52"/>
-              </a:rPr>
-              <a:t>автомобилях</a:t>
+              <a:t>Параллельное программирование в авиации, автомобилях</a:t>
             </a:r>
             <a:r>
               <a:rPr lang="en-US" sz="2800" smtClean="0">
                 <a:latin typeface="PT Sans" pitchFamily="34" charset="-52"/>
                 <a:ea typeface="PT Sans" pitchFamily="34" charset="-52"/>
               </a:rPr>
-              <a:t>,</a:t>
-            </a:r>
-            <a:r>
-              <a:rPr lang="en-US" sz="2800" smtClean="0">
-                <a:latin typeface="PT Sans" pitchFamily="34" charset="-52"/>
-                <a:ea typeface="PT Sans" pitchFamily="34" charset="-52"/>
-              </a:rPr>
-              <a:t> etc.</a:t>
+              <a:t>, etc.</a:t>
             </a:r>
             <a:endParaRPr lang="ru-RU" sz="2800" dirty="0" smtClean="0">
               <a:latin typeface="PT Sans" pitchFamily="34" charset="-52"/>
@@ -35071,16 +35057,94 @@
           </a:bodyPr>
           <a:lstStyle/>
           <a:p>
-            <a:r>
-              <a:rPr lang="ru-RU" sz="4400" dirty="0" smtClean="0">
-                <a:latin typeface="PT Sans" pitchFamily="34" charset="-52"/>
-                <a:ea typeface="PT Sans" pitchFamily="34" charset="-52"/>
-              </a:rPr>
-              <a:t>Вопросы</a:t>
+            <a:pPr algn="ctr"/>
+            <a:r>
+              <a:rPr lang="ru-RU" sz="4400" dirty="0">
+                <a:latin typeface="PT Sans" pitchFamily="34" charset="-52"/>
+                <a:ea typeface="PT Sans" pitchFamily="34" charset="-52"/>
+              </a:rPr>
+              <a:t>Задание на практику</a:t>
             </a:r>
             <a:endParaRPr lang="ru-RU" sz="4400" dirty="0">
               <a:latin typeface="PT Sans" pitchFamily="34" charset="-52"/>
               <a:ea typeface="PT Sans" pitchFamily="34" charset="-52"/>
+            </a:endParaRPr>
+          </a:p>
+        </p:txBody>
+      </p:sp>
+      <p:sp>
+        <p:nvSpPr>
+          <p:cNvPr id="3" name="Подзаголовок 3"/>
+          <p:cNvSpPr>
+            <a:spLocks noGrp="1"/>
+          </p:cNvSpPr>
+          <p:nvPr>
+            <p:ph type="subTitle" idx="1"/>
+          </p:nvPr>
+        </p:nvSpPr>
+        <p:spPr>
+          <a:xfrm>
+            <a:off x="685800" y="3611607"/>
+            <a:ext cx="7772400" cy="1199704"/>
+          </a:xfrm>
+        </p:spPr>
+        <p:txBody>
+          <a:bodyPr>
+            <a:normAutofit/>
+          </a:bodyPr>
+          <a:lstStyle/>
+          <a:p>
+            <a:pPr marL="342900" indent="-342900" algn="l">
+              <a:buFont typeface="Arial" pitchFamily="34" charset="0"/>
+              <a:buChar char="•"/>
+            </a:pPr>
+            <a:r>
+              <a:rPr lang="ru-RU" sz="2400" dirty="0" smtClean="0">
+                <a:latin typeface="PT Sans"/>
+              </a:rPr>
+              <a:t>Вычисление </a:t>
+            </a:r>
+            <a:r>
+              <a:rPr lang="en-US" sz="2400" dirty="0" smtClean="0">
+                <a:latin typeface="PT Sans"/>
+              </a:rPr>
+              <a:t>SAXPY </a:t>
+            </a:r>
+            <a:r>
+              <a:rPr lang="ru-RU" sz="2400" dirty="0" smtClean="0">
+                <a:latin typeface="PT Sans"/>
+              </a:rPr>
+              <a:t>на </a:t>
+            </a:r>
+            <a:r>
+              <a:rPr lang="en-US" sz="2400" dirty="0" err="1" smtClean="0">
+                <a:latin typeface="PT Sans"/>
+              </a:rPr>
+              <a:t>OpenCL</a:t>
+            </a:r>
+            <a:endParaRPr lang="en-US" sz="2400" dirty="0" smtClean="0">
+              <a:latin typeface="PT Sans"/>
+            </a:endParaRPr>
+          </a:p>
+          <a:p>
+            <a:pPr marL="342900" indent="-342900" algn="l">
+              <a:buFont typeface="Arial" pitchFamily="34" charset="0"/>
+              <a:buChar char="•"/>
+            </a:pPr>
+            <a:r>
+              <a:rPr lang="ru-RU" sz="2400" dirty="0" smtClean="0">
+                <a:latin typeface="PT Sans"/>
+              </a:rPr>
+              <a:t>Редукция на </a:t>
+            </a:r>
+            <a:r>
+              <a:rPr lang="en-US" sz="2400" dirty="0" err="1" smtClean="0">
+                <a:latin typeface="PT Sans"/>
+              </a:rPr>
+              <a:t>OpenCL</a:t>
+            </a:r>
+            <a:endParaRPr lang="ru-RU" sz="2400" dirty="0">
+              <a:latin typeface="PT Sans"/>
             </a:endParaRPr>
           </a:p>
         </p:txBody>
